--- a/Obrona/Prezentacja.pptx
+++ b/Obrona/Prezentacja.pptx
@@ -216,7 +216,7 @@
           <a:p>
             <a:fld id="{FF3567AD-46B8-42F9-B53B-49EF8B82F4FA}" type="datetimeFigureOut">
               <a:rPr lang="pl-PL" smtClean="0"/>
-              <a:t>02.03.2023</a:t>
+              <a:t>05.03.2023</a:t>
             </a:fld>
             <a:endParaRPr lang="pl-PL"/>
           </a:p>
@@ -867,6 +867,24 @@
             </a:pPr>
             <a:r>
               <a:rPr lang="pl-PL" dirty="0"/>
+              <a:t>Wspólna biblioteka </a:t>
+            </a:r>
+            <a:r>
+              <a:rPr lang="pl-PL" dirty="0" err="1"/>
+              <a:t>java</a:t>
+            </a:r>
+            <a:r>
+              <a:rPr lang="pl-PL" dirty="0"/>
+              <a:t>, stanowiąca swego rodzaju interfejs dla wszystkich mikorserwisów,</a:t>
+            </a:r>
+          </a:p>
+          <a:p>
+            <a:pPr marL="171450" indent="-171450">
+              <a:buFont typeface="Arial" panose="020B0604020202020204" pitchFamily="34" charset="0"/>
+              <a:buChar char="•"/>
+            </a:pPr>
+            <a:r>
+              <a:rPr lang="pl-PL" dirty="0"/>
               <a:t>Aplikacje zostały również tak przygotowane, że można je łatwo wdrożyć z wykorzystaniem konteneryzacji (m.in. przy wykorzystaniu Docker Compose)</a:t>
             </a:r>
             <a:br>
@@ -1051,7 +1069,7 @@
                 <a:ea typeface="Calibri" panose="020F0502020204030204" pitchFamily="34" charset="0"/>
                 <a:cs typeface="Times New Roman" panose="02020603050405020304" pitchFamily="18" charset="0"/>
               </a:rPr>
-              <a:t>Aplikacja kliencka komunikuje się z warstwą serwerową za pomocą interfejsu REST API, natomiast komunikacja pomiędzy poszczególnymi mikrousługami może być zrealizowana na dwa sposoby: synchronicznie – z wykorzystaniem interfejsu REST API oraz asynchronicznie z wykorzystaniem brokera wiadomości RABBIT MQ</a:t>
+              <a:t>Aplikacja kliencka komunikuje się z warstwą serwerową synchronicznie za pomocą interfejsu REST API, natomiast poszczególne mikroserwisy mogą się komunikować zarówno synchronicznie jak i asynchronicznie z wykorzystaniem brokera wiadomości RabbitMQ.</a:t>
             </a:r>
             <a:endParaRPr lang="pl-PL" dirty="0"/>
           </a:p>
@@ -1164,13 +1182,13 @@
             <a:endParaRPr lang="pl-PL" dirty="0"/>
           </a:p>
           <a:p>
-            <a:pPr marL="171450" indent="-171450">
+            <a:pPr marL="0" indent="0">
               <a:buFontTx/>
-              <a:buChar char="-"/>
+              <a:buNone/>
             </a:pPr>
             <a:r>
               <a:rPr lang="pl-PL" dirty="0"/>
-              <a:t>Drugą grupę stanowią technologie wykorzystane do stworzenia aplikacji klienckiej, m.in. TypeScript, Angular.</a:t>
+              <a:t>- Drugą grupę stanowią technologie wykorzystane do stworzenia aplikacji klienckiej, m.in. TypeScript, Angular.</a:t>
             </a:r>
           </a:p>
           <a:p>
@@ -1183,7 +1201,15 @@
           <a:p>
             <a:r>
               <a:rPr lang="pl-PL" dirty="0"/>
-              <a:t>- Z kolei do 3 grupy należą technologie wykorzystane do wdrożenia aplikacji czyli oprogramowanie do konteneryzacji Docker, oraz platforma Okteto umożliwiającą uruchamianie aplikacji z wykorzystaniem systemu do zarządzania kontenerami jakim jest Kubernetes.</a:t>
+              <a:t>- Z kolei do 3 grupy należą technologie wykorzystane do wdrożenia aplikacji czyli oprogramowanie do konteneryzacji Docker, oraz platforma Okteto która z kolei wykorzystuje </a:t>
+            </a:r>
+            <a:r>
+              <a:rPr lang="pl-PL" dirty="0" err="1"/>
+              <a:t>Kubernetesa</a:t>
+            </a:r>
+            <a:r>
+              <a:rPr lang="pl-PL" dirty="0"/>
+              <a:t>.</a:t>
             </a:r>
           </a:p>
           <a:p>
@@ -1396,13 +1422,13 @@
           <a:p>
             <a:r>
               <a:rPr lang="pl-PL" dirty="0"/>
-              <a:t>W celu obsłużenia tego przypadku użycia jak widać na diagramie wykorzystane zostaną dwa mikroserwisy: Transaction management oraz Planning, a także aplikacja kliencka oraz broker wiadomości.</a:t>
+              <a:t>W celu obsłużenia tego przypadku użycia wykorzystane zostaną dwa mikroserwisy: Transaction management oraz Planning, a także aplikacja kliencka oraz broker wiadomości.</a:t>
             </a:r>
           </a:p>
           <a:p>
             <a:r>
               <a:rPr lang="pl-PL" dirty="0"/>
-              <a:t>Podkreślić  tutaj należy że przy realizacji tego przypadku użycia, komunikacja pomiędzy mikroserwisami odbywa się wyłącznie asynchronicznie.</a:t>
+              <a:t>Przy czym komunikacja pomiędzy mikroserwisami odbywa się tutaj wyłącznie asynchronicznie.</a:t>
             </a:r>
           </a:p>
           <a:p>
@@ -2151,7 +2177,7 @@
           <a:p>
             <a:fld id="{3341EE12-F28E-4B03-A404-A8FCAE0F6316}" type="datetime1">
               <a:rPr lang="en-US" smtClean="0"/>
-              <a:t>3/2/2023</a:t>
+              <a:t>3/5/2023</a:t>
             </a:fld>
             <a:endParaRPr lang="en-US" dirty="0"/>
           </a:p>
@@ -2436,7 +2462,7 @@
           <a:p>
             <a:fld id="{B68B8189-0D9C-48A6-9FA3-862227B094CE}" type="datetime1">
               <a:rPr lang="en-US" smtClean="0"/>
-              <a:t>3/2/2023</a:t>
+              <a:t>3/5/2023</a:t>
             </a:fld>
             <a:endParaRPr lang="en-US"/>
           </a:p>
@@ -2800,7 +2826,7 @@
           <a:p>
             <a:fld id="{26ADDCAE-6443-42C3-9C19-F95985500186}" type="datetime1">
               <a:rPr lang="en-US" smtClean="0"/>
-              <a:t>3/2/2023</a:t>
+              <a:t>3/5/2023</a:t>
             </a:fld>
             <a:endParaRPr lang="en-US" dirty="0"/>
           </a:p>
@@ -3062,7 +3088,7 @@
           <a:p>
             <a:fld id="{1962799E-EB8E-4038-8063-81BB57C732D4}" type="datetime1">
               <a:rPr lang="en-US" smtClean="0"/>
-              <a:t>3/2/2023</a:t>
+              <a:t>3/5/2023</a:t>
             </a:fld>
             <a:endParaRPr lang="en-US"/>
           </a:p>
@@ -3492,7 +3518,7 @@
           <a:p>
             <a:fld id="{217A73C3-B243-44D3-809D-EF8FDFBD85D4}" type="datetime1">
               <a:rPr lang="en-US" smtClean="0"/>
-              <a:t>3/2/2023</a:t>
+              <a:t>3/5/2023</a:t>
             </a:fld>
             <a:endParaRPr lang="en-US" dirty="0"/>
           </a:p>
@@ -3823,7 +3849,7 @@
           <a:p>
             <a:fld id="{C9B6D3E3-28E2-4380-A113-67698215C5F8}" type="datetime1">
               <a:rPr lang="en-US" smtClean="0"/>
-              <a:t>3/2/2023</a:t>
+              <a:t>3/5/2023</a:t>
             </a:fld>
             <a:endParaRPr lang="en-US" dirty="0"/>
           </a:p>
@@ -4256,7 +4282,7 @@
           <a:p>
             <a:fld id="{A9EFCB61-04AD-47C9-BF79-2BD8B9CEC07A}" type="datetime1">
               <a:rPr lang="en-US" smtClean="0"/>
-              <a:t>3/2/2023</a:t>
+              <a:t>3/5/2023</a:t>
             </a:fld>
             <a:endParaRPr lang="en-US" dirty="0"/>
           </a:p>
@@ -4408,7 +4434,7 @@
           <a:p>
             <a:fld id="{A4535E0C-D585-492F-8146-7493F4086301}" type="datetime1">
               <a:rPr lang="en-US" smtClean="0"/>
-              <a:t>3/2/2023</a:t>
+              <a:t>3/5/2023</a:t>
             </a:fld>
             <a:endParaRPr lang="en-US"/>
           </a:p>
@@ -4571,7 +4597,7 @@
           <a:p>
             <a:fld id="{8CE48390-48B5-49AB-B019-A7C8FB8C31F6}" type="datetime1">
               <a:rPr lang="en-US" smtClean="0"/>
-              <a:t>3/2/2023</a:t>
+              <a:t>3/5/2023</a:t>
             </a:fld>
             <a:endParaRPr lang="en-US"/>
           </a:p>
@@ -5100,7 +5126,7 @@
           <a:p>
             <a:fld id="{962E767E-8A14-4E70-91B9-2101CBC4D7BD}" type="datetime1">
               <a:rPr lang="en-US" smtClean="0"/>
-              <a:t>3/2/2023</a:t>
+              <a:t>3/5/2023</a:t>
             </a:fld>
             <a:endParaRPr lang="en-US" dirty="0"/>
           </a:p>
@@ -5621,7 +5647,7 @@
           <a:p>
             <a:fld id="{01AF0C4B-5A4A-45CA-ABEC-10F107160D33}" type="datetime1">
               <a:rPr lang="en-US" smtClean="0"/>
-              <a:t>3/2/2023</a:t>
+              <a:t>3/5/2023</a:t>
             </a:fld>
             <a:endParaRPr lang="en-US" dirty="0"/>
           </a:p>
@@ -6171,7 +6197,7 @@
           <a:p>
             <a:fld id="{6989806E-8E94-473C-AEE7-BE6F15F85533}" type="datetime1">
               <a:rPr lang="en-US" smtClean="0"/>
-              <a:t>3/2/2023</a:t>
+              <a:t>3/5/2023</a:t>
             </a:fld>
             <a:endParaRPr lang="en-US" dirty="0"/>
           </a:p>
@@ -7699,6 +7725,30 @@
                   <a:schemeClr val="tx1"/>
                 </a:solidFill>
               </a:rPr>
+              <a:t>Wspólna biblioteka dla wszystkich mikroserwisów.</a:t>
+            </a:r>
+          </a:p>
+          <a:p>
+            <a:pPr marL="342900" indent="-342900">
+              <a:spcAft>
+                <a:spcPts val="1200"/>
+              </a:spcAft>
+              <a:buBlip>
+                <a:blip r:embed="rId5">
+                  <a:extLst>
+                    <a:ext uri="{96DAC541-7B7A-43D3-8B79-37D633B846F1}">
+                      <asvg:svgBlip xmlns:asvg="http://schemas.microsoft.com/office/drawing/2016/SVG/main" r:embed="rId6"/>
+                    </a:ext>
+                  </a:extLst>
+                </a:blip>
+              </a:buBlip>
+            </a:pPr>
+            <a:r>
+              <a:rPr lang="pl-PL" sz="2400" dirty="0">
+                <a:solidFill>
+                  <a:schemeClr val="tx1"/>
+                </a:solidFill>
+              </a:rPr>
               <a:t>Gotowość do wdrożenia na docelowym systemie z wykorzystaniem konteneryzacji.</a:t>
             </a:r>
           </a:p>
@@ -8269,7 +8319,7 @@
         </p:blipFill>
         <p:spPr>
           <a:xfrm>
-            <a:off x="6693233" y="932291"/>
+            <a:off x="6793441" y="957343"/>
             <a:ext cx="4405657" cy="5457191"/>
           </a:xfrm>
           <a:prstGeom prst="rect">
@@ -10153,41 +10203,6 @@
           </a:p>
         </p:txBody>
       </p:sp>
-      <p:sp>
-        <p:nvSpPr>
-          <p:cNvPr id="5" name="pole tekstowe 4">
-            <a:extLst>
-              <a:ext uri="{FF2B5EF4-FFF2-40B4-BE49-F238E27FC236}">
-                <a16:creationId xmlns:a16="http://schemas.microsoft.com/office/drawing/2014/main" id="{CADE2292-A480-FFB7-A2EE-B80CA29CDBDA}"/>
-              </a:ext>
-            </a:extLst>
-          </p:cNvPr>
-          <p:cNvSpPr txBox="1"/>
-          <p:nvPr/>
-        </p:nvSpPr>
-        <p:spPr>
-          <a:xfrm>
-            <a:off x="3046956" y="3247465"/>
-            <a:ext cx="6093912" cy="369332"/>
-          </a:xfrm>
-          <a:prstGeom prst="rect">
-            <a:avLst/>
-          </a:prstGeom>
-          <a:noFill/>
-        </p:spPr>
-        <p:txBody>
-          <a:bodyPr wrap="square">
-            <a:spAutoFit/>
-          </a:bodyPr>
-          <a:lstStyle/>
-          <a:p>
-            <a:r>
-              <a:rPr lang="pl-PL" dirty="0"/>
-              <a:t>uwierzytelniania i autoryzacji wykorzystano </a:t>
-            </a:r>
-          </a:p>
-        </p:txBody>
-      </p:sp>
     </p:spTree>
     <p:extLst>
       <p:ext uri="{BB962C8B-B14F-4D97-AF65-F5344CB8AC3E}">
@@ -13311,7 +13326,7 @@
         </p:nvSpPr>
         <p:spPr bwMode="auto">
           <a:xfrm>
-            <a:off x="759730" y="1484949"/>
+            <a:off x="759730" y="1547579"/>
             <a:ext cx="10906626" cy="4339650"/>
           </a:xfrm>
           <a:prstGeom prst="rect">
@@ -15814,10 +15829,10 @@
       </p:sp>
       <p:pic>
         <p:nvPicPr>
-          <p:cNvPr id="3" name="Obraz 2">
+          <p:cNvPr id="8" name="Obraz 7">
             <a:extLst>
               <a:ext uri="{FF2B5EF4-FFF2-40B4-BE49-F238E27FC236}">
-                <a16:creationId xmlns:a16="http://schemas.microsoft.com/office/drawing/2014/main" id="{1FD991AD-5029-A75D-2B88-290B8AAB3F84}"/>
+                <a16:creationId xmlns:a16="http://schemas.microsoft.com/office/drawing/2014/main" id="{369998F5-6ED1-3A91-0F1A-73EE0EEAFF87}"/>
               </a:ext>
             </a:extLst>
           </p:cNvPr>
@@ -15840,8 +15855,8 @@
         </p:blipFill>
         <p:spPr>
           <a:xfrm>
-            <a:off x="1552073" y="786686"/>
-            <a:ext cx="8923344" cy="5839702"/>
+            <a:off x="1727115" y="865511"/>
+            <a:ext cx="8677371" cy="5682052"/>
           </a:xfrm>
           <a:prstGeom prst="rect">
             <a:avLst/>

--- a/Obrona/Prezentacja.pptx
+++ b/Obrona/Prezentacja.pptx
@@ -216,7 +216,7 @@
           <a:p>
             <a:fld id="{FF3567AD-46B8-42F9-B53B-49EF8B82F4FA}" type="datetimeFigureOut">
               <a:rPr lang="pl-PL" smtClean="0"/>
-              <a:t>05.03.2023</a:t>
+              <a:t>12.03.2023</a:t>
             </a:fld>
             <a:endParaRPr lang="pl-PL"/>
           </a:p>
@@ -1058,7 +1058,7 @@
                 <a:ea typeface="Calibri" panose="020F0502020204030204" pitchFamily="34" charset="0"/>
                 <a:cs typeface="Times New Roman" panose="02020603050405020304" pitchFamily="18" charset="0"/>
               </a:rPr>
-              <a:t>Warstwy danych. W tym przypadku wykorzystano bazę danych MongoDB dostępną w modelu SaaS.</a:t>
+              <a:t>Warstwy danych. W tym przypadku wykorzystano bazę danych MongoDB.</a:t>
             </a:r>
           </a:p>
           <a:p>
@@ -1862,7 +1862,7 @@
           <a:p>
             <a:r>
               <a:rPr lang="pl-PL" dirty="0"/>
-              <a:t>Baza danych z kolei danych znajduje się na zewnętrznym systemie. W tym przypadku skorzystano z bazy danych MongoDB w modelu Software as a Service.</a:t>
+              <a:t>Baza danych z kolei danych znajduje się na zewnętrznym systemie. W tym przypadku skorzystano z bazy danych MongoDB w modelu Database as a Service, Software as a Service.</a:t>
             </a:r>
           </a:p>
           <a:p>
@@ -2177,7 +2177,7 @@
           <a:p>
             <a:fld id="{3341EE12-F28E-4B03-A404-A8FCAE0F6316}" type="datetime1">
               <a:rPr lang="en-US" smtClean="0"/>
-              <a:t>3/5/2023</a:t>
+              <a:t>3/12/2023</a:t>
             </a:fld>
             <a:endParaRPr lang="en-US" dirty="0"/>
           </a:p>
@@ -2462,7 +2462,7 @@
           <a:p>
             <a:fld id="{B68B8189-0D9C-48A6-9FA3-862227B094CE}" type="datetime1">
               <a:rPr lang="en-US" smtClean="0"/>
-              <a:t>3/5/2023</a:t>
+              <a:t>3/12/2023</a:t>
             </a:fld>
             <a:endParaRPr lang="en-US"/>
           </a:p>
@@ -2826,7 +2826,7 @@
           <a:p>
             <a:fld id="{26ADDCAE-6443-42C3-9C19-F95985500186}" type="datetime1">
               <a:rPr lang="en-US" smtClean="0"/>
-              <a:t>3/5/2023</a:t>
+              <a:t>3/12/2023</a:t>
             </a:fld>
             <a:endParaRPr lang="en-US" dirty="0"/>
           </a:p>
@@ -3088,7 +3088,7 @@
           <a:p>
             <a:fld id="{1962799E-EB8E-4038-8063-81BB57C732D4}" type="datetime1">
               <a:rPr lang="en-US" smtClean="0"/>
-              <a:t>3/5/2023</a:t>
+              <a:t>3/12/2023</a:t>
             </a:fld>
             <a:endParaRPr lang="en-US"/>
           </a:p>
@@ -3518,7 +3518,7 @@
           <a:p>
             <a:fld id="{217A73C3-B243-44D3-809D-EF8FDFBD85D4}" type="datetime1">
               <a:rPr lang="en-US" smtClean="0"/>
-              <a:t>3/5/2023</a:t>
+              <a:t>3/12/2023</a:t>
             </a:fld>
             <a:endParaRPr lang="en-US" dirty="0"/>
           </a:p>
@@ -3849,7 +3849,7 @@
           <a:p>
             <a:fld id="{C9B6D3E3-28E2-4380-A113-67698215C5F8}" type="datetime1">
               <a:rPr lang="en-US" smtClean="0"/>
-              <a:t>3/5/2023</a:t>
+              <a:t>3/12/2023</a:t>
             </a:fld>
             <a:endParaRPr lang="en-US" dirty="0"/>
           </a:p>
@@ -4282,7 +4282,7 @@
           <a:p>
             <a:fld id="{A9EFCB61-04AD-47C9-BF79-2BD8B9CEC07A}" type="datetime1">
               <a:rPr lang="en-US" smtClean="0"/>
-              <a:t>3/5/2023</a:t>
+              <a:t>3/12/2023</a:t>
             </a:fld>
             <a:endParaRPr lang="en-US" dirty="0"/>
           </a:p>
@@ -4434,7 +4434,7 @@
           <a:p>
             <a:fld id="{A4535E0C-D585-492F-8146-7493F4086301}" type="datetime1">
               <a:rPr lang="en-US" smtClean="0"/>
-              <a:t>3/5/2023</a:t>
+              <a:t>3/12/2023</a:t>
             </a:fld>
             <a:endParaRPr lang="en-US"/>
           </a:p>
@@ -4597,7 +4597,7 @@
           <a:p>
             <a:fld id="{8CE48390-48B5-49AB-B019-A7C8FB8C31F6}" type="datetime1">
               <a:rPr lang="en-US" smtClean="0"/>
-              <a:t>3/5/2023</a:t>
+              <a:t>3/12/2023</a:t>
             </a:fld>
             <a:endParaRPr lang="en-US"/>
           </a:p>
@@ -5126,7 +5126,7 @@
           <a:p>
             <a:fld id="{962E767E-8A14-4E70-91B9-2101CBC4D7BD}" type="datetime1">
               <a:rPr lang="en-US" smtClean="0"/>
-              <a:t>3/5/2023</a:t>
+              <a:t>3/12/2023</a:t>
             </a:fld>
             <a:endParaRPr lang="en-US" dirty="0"/>
           </a:p>
@@ -5647,7 +5647,7 @@
           <a:p>
             <a:fld id="{01AF0C4B-5A4A-45CA-ABEC-10F107160D33}" type="datetime1">
               <a:rPr lang="en-US" smtClean="0"/>
-              <a:t>3/5/2023</a:t>
+              <a:t>3/12/2023</a:t>
             </a:fld>
             <a:endParaRPr lang="en-US" dirty="0"/>
           </a:p>
@@ -6197,7 +6197,7 @@
           <a:p>
             <a:fld id="{6989806E-8E94-473C-AEE7-BE6F15F85533}" type="datetime1">
               <a:rPr lang="en-US" smtClean="0"/>
-              <a:t>3/5/2023</a:t>
+              <a:t>3/12/2023</a:t>
             </a:fld>
             <a:endParaRPr lang="en-US" dirty="0"/>
           </a:p>
@@ -15829,10 +15829,10 @@
       </p:sp>
       <p:pic>
         <p:nvPicPr>
-          <p:cNvPr id="8" name="Obraz 7">
+          <p:cNvPr id="3" name="Obraz 2">
             <a:extLst>
               <a:ext uri="{FF2B5EF4-FFF2-40B4-BE49-F238E27FC236}">
-                <a16:creationId xmlns:a16="http://schemas.microsoft.com/office/drawing/2014/main" id="{369998F5-6ED1-3A91-0F1A-73EE0EEAFF87}"/>
+                <a16:creationId xmlns:a16="http://schemas.microsoft.com/office/drawing/2014/main" id="{0AB95C68-EA87-BC67-0636-DC35765445E6}"/>
               </a:ext>
             </a:extLst>
           </p:cNvPr>
@@ -15855,8 +15855,8 @@
         </p:blipFill>
         <p:spPr>
           <a:xfrm>
-            <a:off x="1727115" y="865511"/>
-            <a:ext cx="8677371" cy="5682052"/>
+            <a:off x="1528175" y="870160"/>
+            <a:ext cx="8666707" cy="5672754"/>
           </a:xfrm>
           <a:prstGeom prst="rect">
             <a:avLst/>

--- a/Obrona/Prezentacja.pptx
+++ b/Obrona/Prezentacja.pptx
@@ -682,7 +682,7 @@
             </a:pPr>
             <a:r>
               <a:rPr lang="pl-PL" dirty="0"/>
-              <a:t>Jedną z największych wad jest w tym przypadku brak możliwości obsługi transakcji w rozumieniu ACID oraz redundancja danych.</a:t>
+              <a:t>Istotną wadą jest brak obsługi transakcji w rozumieniu ACID oraz redundancja danych.</a:t>
             </a:r>
             <a:br>
               <a:rPr lang="pl-PL" dirty="0"/>
@@ -731,7 +731,7 @@
             </a:pPr>
             <a:r>
               <a:rPr lang="pl-PL" dirty="0"/>
-              <a:t>Istotna wadą jest również duże skomplikowanie systemu, a co za tym idzie czasochłonność implementacji większa niż w przypadku monolitów</a:t>
+              <a:t>Wadą jest również duże skomplikowanie systemu, a co za tym idzie czasochłonność implementacji większa niż w przypadku monolitów</a:t>
             </a:r>
           </a:p>
           <a:p>
@@ -741,7 +741,7 @@
             </a:pPr>
             <a:r>
               <a:rPr lang="pl-PL" dirty="0"/>
-              <a:t>Wadą jest również zastosowanie brokera wiadomości zamiast brokera zdarzeń, przez co zaimplementowanie pełnej architektury opartej o zdarzenia, nie jest możliwe.</a:t>
+              <a:t>Inną wadą jest zastosowanie brokera wiadomości zamiast brokera zdarzeń, przez co zaimplementowanie pełnej architektury opartej o zdarzenia, nie jest możliwe.</a:t>
             </a:r>
           </a:p>
           <a:p>
@@ -890,6 +890,12 @@
             <a:br>
               <a:rPr lang="pl-PL" dirty="0"/>
             </a:br>
+            <a:br>
+              <a:rPr lang="pl-PL" dirty="0"/>
+            </a:br>
+            <a:br>
+              <a:rPr lang="pl-PL" dirty="0"/>
+            </a:br>
             <a:r>
               <a:rPr lang="pl-PL" dirty="0"/>
               <a:t>Podsumowując ostatecznie udało się stworzyć skalowalny system, o podstawowej funkcjonalności, który dzięki modułowej budowie może być jednak łatwo rozszerzany.</a:t>
@@ -924,6 +930,93 @@
     <p:extLst>
       <p:ext uri="{BB962C8B-B14F-4D97-AF65-F5344CB8AC3E}">
         <p14:creationId xmlns:p14="http://schemas.microsoft.com/office/powerpoint/2010/main" val="934236448"/>
+      </p:ext>
+    </p:extLst>
+  </p:cSld>
+  <p:clrMapOvr>
+    <a:masterClrMapping/>
+  </p:clrMapOvr>
+</p:notes>
+</file>
+
+<file path=ppt/notesSlides/notesSlide11.xml><?xml version="1.0" encoding="utf-8"?>
+<p:notes xmlns:a="http://schemas.openxmlformats.org/drawingml/2006/main" xmlns:r="http://schemas.openxmlformats.org/officeDocument/2006/relationships" xmlns:p="http://schemas.openxmlformats.org/presentationml/2006/main">
+  <p:cSld>
+    <p:spTree>
+      <p:nvGrpSpPr>
+        <p:cNvPr id="1" name=""/>
+        <p:cNvGrpSpPr/>
+        <p:nvPr/>
+      </p:nvGrpSpPr>
+      <p:grpSpPr>
+        <a:xfrm>
+          <a:off x="0" y="0"/>
+          <a:ext cx="0" cy="0"/>
+          <a:chOff x="0" y="0"/>
+          <a:chExt cx="0" cy="0"/>
+        </a:xfrm>
+      </p:grpSpPr>
+      <p:sp>
+        <p:nvSpPr>
+          <p:cNvPr id="2" name="Symbol zastępczy obrazu slajdu 1"/>
+          <p:cNvSpPr>
+            <a:spLocks noGrp="1" noRot="1" noChangeAspect="1"/>
+          </p:cNvSpPr>
+          <p:nvPr>
+            <p:ph type="sldImg"/>
+          </p:nvPr>
+        </p:nvSpPr>
+        <p:spPr/>
+      </p:sp>
+      <p:sp>
+        <p:nvSpPr>
+          <p:cNvPr id="3" name="Symbol zastępczy notatek 2"/>
+          <p:cNvSpPr>
+            <a:spLocks noGrp="1"/>
+          </p:cNvSpPr>
+          <p:nvPr>
+            <p:ph type="body" idx="1"/>
+          </p:nvPr>
+        </p:nvSpPr>
+        <p:spPr/>
+        <p:txBody>
+          <a:bodyPr/>
+          <a:lstStyle/>
+          <a:p>
+            <a:r>
+              <a:rPr lang="pl-PL" dirty="0"/>
+              <a:t>Podsumowując ostatecznie udało się stworzyć skalowalny system, o podstawowej funkcjonalności, który dzięki modułowej budowie może być jednak łatwo rozszerzany.</a:t>
+            </a:r>
+          </a:p>
+        </p:txBody>
+      </p:sp>
+      <p:sp>
+        <p:nvSpPr>
+          <p:cNvPr id="4" name="Symbol zastępczy numeru slajdu 3"/>
+          <p:cNvSpPr>
+            <a:spLocks noGrp="1"/>
+          </p:cNvSpPr>
+          <p:nvPr>
+            <p:ph type="sldNum" sz="quarter" idx="5"/>
+          </p:nvPr>
+        </p:nvSpPr>
+        <p:spPr/>
+        <p:txBody>
+          <a:bodyPr/>
+          <a:lstStyle/>
+          <a:p>
+            <a:fld id="{D43575A8-D8DC-4AC7-AE60-45A20BC874FF}" type="slidenum">
+              <a:rPr lang="pl-PL" smtClean="0"/>
+              <a:t>11</a:t>
+            </a:fld>
+            <a:endParaRPr lang="pl-PL"/>
+          </a:p>
+        </p:txBody>
+      </p:sp>
+    </p:spTree>
+    <p:extLst>
+      <p:ext uri="{BB962C8B-B14F-4D97-AF65-F5344CB8AC3E}">
+        <p14:creationId xmlns:p14="http://schemas.microsoft.com/office/powerpoint/2010/main" val="708433522"/>
       </p:ext>
     </p:extLst>
   </p:cSld>
@@ -1856,13 +1949,21 @@
           <a:p>
             <a:r>
               <a:rPr lang="pl-PL" dirty="0"/>
-              <a:t>Na platformie Okteto uruchamiane są wszystkie aplikacje w tym aplikacja kliencka, 3 mikroserwisy oraz aplikacja RabbitMQ.</a:t>
+              <a:t>Na platformie Okteto uruchamiane są wszystkie mikroserwisy, aplikacja kliencka oraz broker wiadomości.</a:t>
             </a:r>
           </a:p>
           <a:p>
             <a:r>
               <a:rPr lang="pl-PL" dirty="0"/>
-              <a:t>Baza danych z kolei danych znajduje się na zewnętrznym systemie. W tym przypadku skorzystano z bazy danych MongoDB w modelu Database as a Service, Software as a Service.</a:t>
+              <a:t>Jeśli chodzi o bazę danych to skorzystano tutaj z bazy </a:t>
+            </a:r>
+            <a:r>
+              <a:rPr lang="pl-PL" dirty="0" err="1"/>
+              <a:t>MongoDb</a:t>
+            </a:r>
+            <a:r>
+              <a:rPr lang="pl-PL" dirty="0"/>
+              <a:t> w modelu Database as a Service.</a:t>
             </a:r>
           </a:p>
           <a:p>
@@ -1871,15 +1972,31 @@
           <a:p>
             <a:r>
               <a:rPr lang="pl-PL" dirty="0"/>
-              <a:t>Na serwerze zewnętrznym znajduje się również aplikacja Keycloak wdrożona również z wykorzystana pliku </a:t>
+              <a:t>Z kolei na </a:t>
             </a:r>
             <a:r>
               <a:rPr lang="pl-PL" dirty="0" err="1"/>
-              <a:t>docker-compose</a:t>
+              <a:t>sewerze</a:t>
             </a:r>
             <a:r>
               <a:rPr lang="pl-PL" dirty="0"/>
-              <a:t>.</a:t>
+              <a:t> zewnętrznym znajduje się aplikacja </a:t>
+            </a:r>
+            <a:r>
+              <a:rPr lang="pl-PL" dirty="0" err="1"/>
+              <a:t>Keycloa</a:t>
+            </a:r>
+            <a:r>
+              <a:rPr lang="pl-PL" dirty="0"/>
+              <a:t>, która została wdrożona również z  </a:t>
+            </a:r>
+            <a:r>
+              <a:rPr lang="pl-PL"/>
+              <a:t>wykorzystaniem docker-compose</a:t>
+            </a:r>
+            <a:r>
+              <a:rPr lang="pl-PL" dirty="0"/>
+              <a:t>..</a:t>
             </a:r>
           </a:p>
         </p:txBody>
@@ -7400,7 +7517,7 @@
                   <a:schemeClr val="tx1"/>
                 </a:solidFill>
               </a:rPr>
-              <a:t>Brak obsługi transakcji w rozumieniu ACID, oraz redundancja danych.</a:t>
+              <a:t>Brak obsługi transakcji w rozumieniu ACID oraz redundancja danych.</a:t>
             </a:r>
           </a:p>
           <a:p>

--- a/Obrona/Prezentacja.pptx
+++ b/Obrona/Prezentacja.pptx
@@ -216,7 +216,7 @@
           <a:p>
             <a:fld id="{FF3567AD-46B8-42F9-B53B-49EF8B82F4FA}" type="datetimeFigureOut">
               <a:rPr lang="pl-PL" smtClean="0"/>
-              <a:t>12.03.2023</a:t>
+              <a:t>13.03.2023</a:t>
             </a:fld>
             <a:endParaRPr lang="pl-PL"/>
           </a:p>
@@ -1714,18 +1714,120 @@
           <a:bodyPr/>
           <a:lstStyle/>
           <a:p>
+            <a:pPr marL="0" marR="0" lvl="0" indent="0" algn="l" defTabSz="914400" rtl="0" eaLnBrk="1" fontAlgn="auto" latinLnBrk="0" hangingPunct="1">
+              <a:lnSpc>
+                <a:spcPct val="100000"/>
+              </a:lnSpc>
+              <a:spcBef>
+                <a:spcPts val="0"/>
+              </a:spcBef>
+              <a:spcAft>
+                <a:spcPts val="0"/>
+              </a:spcAft>
+              <a:buClrTx/>
+              <a:buSzTx/>
+              <a:buFontTx/>
+              <a:buNone/>
+              <a:tabLst/>
+              <a:defRPr/>
+            </a:pPr>
             <a:r>
               <a:rPr lang="pl-PL" dirty="0"/>
-              <a:t>W ramach pracy przygotowano również dokumentację punktów końcowych REST API. W tym celu wykorzystano bibliotekę Spring OpenAPI Webflux umożliwiającą automatyczne generowanie dokumentacji bezpośrednio z kodu punktów końcowych, z wykorzystaniem adnotacji które umożliwiają rozszerzanie dokumentacji czy tworzenie dodatkowych opisów.</a:t>
-            </a:r>
-          </a:p>
-          <a:p>
+              <a:t>W ramach pracy przygotowano również dokumentację punktów końcowych REST API. W tym celu wykorzystano bibliotekę Spring OpenAPI Webflux, </a:t>
+            </a:r>
+          </a:p>
+          <a:p>
+            <a:pPr marL="0" marR="0" lvl="0" indent="0" algn="l" defTabSz="914400" rtl="0" eaLnBrk="1" fontAlgn="auto" latinLnBrk="0" hangingPunct="1">
+              <a:lnSpc>
+                <a:spcPct val="100000"/>
+              </a:lnSpc>
+              <a:spcBef>
+                <a:spcPts val="0"/>
+              </a:spcBef>
+              <a:spcAft>
+                <a:spcPts val="0"/>
+              </a:spcAft>
+              <a:buClrTx/>
+              <a:buSzTx/>
+              <a:buFontTx/>
+              <a:buNone/>
+              <a:tabLst/>
+              <a:defRPr/>
+            </a:pPr>
             <a:r>
               <a:rPr lang="pl-PL" dirty="0"/>
-              <a:t>Dzięki tej bibliotece Spring automatycznie tworzy dokumentację w formacie JSON a także udostępnia ją online w formie graficznej.</a:t>
-            </a:r>
-          </a:p>
-          <a:p>
+              <a:t>dzięki której Spring automatycznie z kodu punktów końcowych generuje dokumentację formacie JSON, </a:t>
+            </a:r>
+          </a:p>
+          <a:p>
+            <a:pPr marL="0" marR="0" lvl="0" indent="0" algn="l" defTabSz="914400" rtl="0" eaLnBrk="1" fontAlgn="auto" latinLnBrk="0" hangingPunct="1">
+              <a:lnSpc>
+                <a:spcPct val="100000"/>
+              </a:lnSpc>
+              <a:spcBef>
+                <a:spcPts val="0"/>
+              </a:spcBef>
+              <a:spcAft>
+                <a:spcPts val="0"/>
+              </a:spcAft>
+              <a:buClrTx/>
+              <a:buSzTx/>
+              <a:buFontTx/>
+              <a:buNone/>
+              <a:tabLst/>
+              <a:defRPr/>
+            </a:pPr>
+            <a:r>
+              <a:rPr lang="pl-PL" dirty="0"/>
+              <a:t>a także w formacie graficznym </a:t>
+            </a:r>
+            <a:r>
+              <a:rPr lang="pl-PL" dirty="0" err="1"/>
+              <a:t>Swagger</a:t>
+            </a:r>
+            <a:r>
+              <a:rPr lang="pl-PL" dirty="0"/>
+              <a:t> i automatycznie udostępnia ją online.</a:t>
+            </a:r>
+          </a:p>
+          <a:p>
+            <a:pPr marL="0" marR="0" lvl="0" indent="0" algn="l" defTabSz="914400" rtl="0" eaLnBrk="1" fontAlgn="auto" latinLnBrk="0" hangingPunct="1">
+              <a:lnSpc>
+                <a:spcPct val="100000"/>
+              </a:lnSpc>
+              <a:spcBef>
+                <a:spcPts val="0"/>
+              </a:spcBef>
+              <a:spcAft>
+                <a:spcPts val="0"/>
+              </a:spcAft>
+              <a:buClrTx/>
+              <a:buSzTx/>
+              <a:buFontTx/>
+              <a:buNone/>
+              <a:tabLst/>
+              <a:defRPr/>
+            </a:pPr>
+            <a:endParaRPr lang="pl-PL" dirty="0"/>
+          </a:p>
+          <a:p>
+            <a:pPr marL="0" marR="0" lvl="0" indent="0" algn="l" defTabSz="914400" rtl="0" eaLnBrk="1" fontAlgn="auto" latinLnBrk="0" hangingPunct="1">
+              <a:lnSpc>
+                <a:spcPct val="100000"/>
+              </a:lnSpc>
+              <a:spcBef>
+                <a:spcPts val="0"/>
+              </a:spcBef>
+              <a:spcAft>
+                <a:spcPts val="0"/>
+              </a:spcAft>
+              <a:buClrTx/>
+              <a:buSzTx/>
+              <a:buFontTx/>
+              <a:buNone/>
+              <a:tabLst/>
+              <a:defRPr/>
+            </a:pPr>
             <a:endParaRPr lang="pl-PL" dirty="0"/>
           </a:p>
         </p:txBody>
@@ -2294,7 +2396,7 @@
           <a:p>
             <a:fld id="{3341EE12-F28E-4B03-A404-A8FCAE0F6316}" type="datetime1">
               <a:rPr lang="en-US" smtClean="0"/>
-              <a:t>3/12/2023</a:t>
+              <a:t>3/13/2023</a:t>
             </a:fld>
             <a:endParaRPr lang="en-US" dirty="0"/>
           </a:p>
@@ -2579,7 +2681,7 @@
           <a:p>
             <a:fld id="{B68B8189-0D9C-48A6-9FA3-862227B094CE}" type="datetime1">
               <a:rPr lang="en-US" smtClean="0"/>
-              <a:t>3/12/2023</a:t>
+              <a:t>3/13/2023</a:t>
             </a:fld>
             <a:endParaRPr lang="en-US"/>
           </a:p>
@@ -2943,7 +3045,7 @@
           <a:p>
             <a:fld id="{26ADDCAE-6443-42C3-9C19-F95985500186}" type="datetime1">
               <a:rPr lang="en-US" smtClean="0"/>
-              <a:t>3/12/2023</a:t>
+              <a:t>3/13/2023</a:t>
             </a:fld>
             <a:endParaRPr lang="en-US" dirty="0"/>
           </a:p>
@@ -3205,7 +3307,7 @@
           <a:p>
             <a:fld id="{1962799E-EB8E-4038-8063-81BB57C732D4}" type="datetime1">
               <a:rPr lang="en-US" smtClean="0"/>
-              <a:t>3/12/2023</a:t>
+              <a:t>3/13/2023</a:t>
             </a:fld>
             <a:endParaRPr lang="en-US"/>
           </a:p>
@@ -3635,7 +3737,7 @@
           <a:p>
             <a:fld id="{217A73C3-B243-44D3-809D-EF8FDFBD85D4}" type="datetime1">
               <a:rPr lang="en-US" smtClean="0"/>
-              <a:t>3/12/2023</a:t>
+              <a:t>3/13/2023</a:t>
             </a:fld>
             <a:endParaRPr lang="en-US" dirty="0"/>
           </a:p>
@@ -3966,7 +4068,7 @@
           <a:p>
             <a:fld id="{C9B6D3E3-28E2-4380-A113-67698215C5F8}" type="datetime1">
               <a:rPr lang="en-US" smtClean="0"/>
-              <a:t>3/12/2023</a:t>
+              <a:t>3/13/2023</a:t>
             </a:fld>
             <a:endParaRPr lang="en-US" dirty="0"/>
           </a:p>
@@ -4399,7 +4501,7 @@
           <a:p>
             <a:fld id="{A9EFCB61-04AD-47C9-BF79-2BD8B9CEC07A}" type="datetime1">
               <a:rPr lang="en-US" smtClean="0"/>
-              <a:t>3/12/2023</a:t>
+              <a:t>3/13/2023</a:t>
             </a:fld>
             <a:endParaRPr lang="en-US" dirty="0"/>
           </a:p>
@@ -4551,7 +4653,7 @@
           <a:p>
             <a:fld id="{A4535E0C-D585-492F-8146-7493F4086301}" type="datetime1">
               <a:rPr lang="en-US" smtClean="0"/>
-              <a:t>3/12/2023</a:t>
+              <a:t>3/13/2023</a:t>
             </a:fld>
             <a:endParaRPr lang="en-US"/>
           </a:p>
@@ -4714,7 +4816,7 @@
           <a:p>
             <a:fld id="{8CE48390-48B5-49AB-B019-A7C8FB8C31F6}" type="datetime1">
               <a:rPr lang="en-US" smtClean="0"/>
-              <a:t>3/12/2023</a:t>
+              <a:t>3/13/2023</a:t>
             </a:fld>
             <a:endParaRPr lang="en-US"/>
           </a:p>
@@ -5243,7 +5345,7 @@
           <a:p>
             <a:fld id="{962E767E-8A14-4E70-91B9-2101CBC4D7BD}" type="datetime1">
               <a:rPr lang="en-US" smtClean="0"/>
-              <a:t>3/12/2023</a:t>
+              <a:t>3/13/2023</a:t>
             </a:fld>
             <a:endParaRPr lang="en-US" dirty="0"/>
           </a:p>
@@ -5764,7 +5866,7 @@
           <a:p>
             <a:fld id="{01AF0C4B-5A4A-45CA-ABEC-10F107160D33}" type="datetime1">
               <a:rPr lang="en-US" smtClean="0"/>
-              <a:t>3/12/2023</a:t>
+              <a:t>3/13/2023</a:t>
             </a:fld>
             <a:endParaRPr lang="en-US" dirty="0"/>
           </a:p>
@@ -6314,7 +6416,7 @@
           <a:p>
             <a:fld id="{6989806E-8E94-473C-AEE7-BE6F15F85533}" type="datetime1">
               <a:rPr lang="en-US" smtClean="0"/>
-              <a:t>3/12/2023</a:t>
+              <a:t>3/13/2023</a:t>
             </a:fld>
             <a:endParaRPr lang="en-US" dirty="0"/>
           </a:p>
